--- a/s5_continues_x/lecture/ci.pptx
+++ b/s5_continues_x/lecture/ci.pptx
@@ -2900,7 +2900,7 @@
           <a:p>
             <a:fld id="{D75CAE95-D2DD-4998-876A-092BFD628C65}" type="datetimeFigureOut">
               <a:rPr lang="da-DK" smtClean="0"/>
-              <a:t>09-06-2021</a:t>
+              <a:t>08-01-2022</a:t>
             </a:fld>
             <a:endParaRPr lang="da-DK"/>
           </a:p>
@@ -3078,7 +3078,7 @@
           <a:p>
             <a:fld id="{1DA8E099-58AA-4136-B409-1CAD1943D842}" type="datetimeFigureOut">
               <a:rPr lang="da-DK" smtClean="0"/>
-              <a:t>09-06-2021</a:t>
+              <a:t>08-01-2022</a:t>
             </a:fld>
             <a:endParaRPr lang="da-DK"/>
           </a:p>
@@ -3496,7 +3496,7 @@
           <a:p>
             <a:fld id="{C85334AD-9960-4065-BF34-86ED0345A76D}" type="datetime1">
               <a:rPr lang="en-US" smtClean="0"/>
-              <a:t>6/9/2021</a:t>
+              <a:t>1/8/2022</a:t>
             </a:fld>
             <a:endParaRPr lang="da-DK"/>
           </a:p>
@@ -3735,7 +3735,7 @@
           <a:p>
             <a:fld id="{C5669758-3775-48D7-A841-693E908C3BF4}" type="datetime1">
               <a:rPr lang="en-US" smtClean="0"/>
-              <a:t>6/9/2021</a:t>
+              <a:t>1/8/2022</a:t>
             </a:fld>
             <a:endParaRPr lang="da-DK"/>
           </a:p>
@@ -3948,7 +3948,7 @@
           <a:p>
             <a:fld id="{1E0C3FF1-EDBD-4F2A-8366-34A4E3728310}" type="datetime1">
               <a:rPr lang="en-US" smtClean="0"/>
-              <a:t>6/9/2021</a:t>
+              <a:t>1/8/2022</a:t>
             </a:fld>
             <a:endParaRPr lang="da-DK"/>
           </a:p>
@@ -4169,7 +4169,7 @@
           <a:p>
             <a:fld id="{019E29B9-5584-4737-9C98-1B926378C778}" type="datetime1">
               <a:rPr lang="en-US" smtClean="0"/>
-              <a:t>6/9/2021</a:t>
+              <a:t>1/8/2022</a:t>
             </a:fld>
             <a:endParaRPr lang="da-DK"/>
           </a:p>
@@ -4484,7 +4484,7 @@
           <a:p>
             <a:fld id="{FCE38F03-F67D-4508-A858-99FCD085087C}" type="datetime1">
               <a:rPr lang="en-US" smtClean="0"/>
-              <a:t>6/9/2021</a:t>
+              <a:t>1/8/2022</a:t>
             </a:fld>
             <a:endParaRPr lang="da-DK"/>
           </a:p>
@@ -4755,7 +4755,7 @@
           <a:p>
             <a:fld id="{B43F2930-3FFD-4F93-A4BD-4F0D1A0B4514}" type="datetime1">
               <a:rPr lang="en-US" smtClean="0"/>
-              <a:t>6/9/2021</a:t>
+              <a:t>1/8/2022</a:t>
             </a:fld>
             <a:endParaRPr lang="da-DK"/>
           </a:p>
@@ -5173,7 +5173,7 @@
           <a:p>
             <a:fld id="{8E0F9B9B-30CC-4693-8E0F-1A94A979E2C5}" type="datetime1">
               <a:rPr lang="en-US" smtClean="0"/>
-              <a:t>6/9/2021</a:t>
+              <a:t>1/8/2022</a:t>
             </a:fld>
             <a:endParaRPr lang="da-DK"/>
           </a:p>
@@ -5318,7 +5318,7 @@
           <a:p>
             <a:fld id="{6FE1433B-E6A7-44FF-8B55-539471B4D7C5}" type="datetime1">
               <a:rPr lang="en-US" smtClean="0"/>
-              <a:t>6/9/2021</a:t>
+              <a:t>1/8/2022</a:t>
             </a:fld>
             <a:endParaRPr lang="da-DK"/>
           </a:p>
@@ -5434,7 +5434,7 @@
           <a:p>
             <a:fld id="{624F4001-6A8C-42DA-824F-B5CC1375B861}" type="datetime1">
               <a:rPr lang="en-US" smtClean="0"/>
-              <a:t>6/9/2021</a:t>
+              <a:t>1/8/2022</a:t>
             </a:fld>
             <a:endParaRPr lang="da-DK"/>
           </a:p>
@@ -5750,7 +5750,7 @@
           <a:p>
             <a:fld id="{2D3BE137-2C5E-4078-8BA2-7D42D7E67218}" type="datetime1">
               <a:rPr lang="en-US" smtClean="0"/>
-              <a:t>6/9/2021</a:t>
+              <a:t>1/8/2022</a:t>
             </a:fld>
             <a:endParaRPr lang="da-DK"/>
           </a:p>
@@ -6042,7 +6042,7 @@
           <a:p>
             <a:fld id="{0D1436FF-56D3-4E93-92E8-71121EAB120E}" type="datetime1">
               <a:rPr lang="en-US" smtClean="0"/>
-              <a:t>6/9/2021</a:t>
+              <a:t>1/8/2022</a:t>
             </a:fld>
             <a:endParaRPr lang="da-DK"/>
           </a:p>
@@ -6288,7 +6288,7 @@
           <a:p>
             <a:fld id="{16601EF2-4BCA-4009-ACCF-B97F259DEF6F}" type="datetime1">
               <a:rPr lang="en-US" smtClean="0"/>
-              <a:t>6/9/2021</a:t>
+              <a:t>1/8/2022</a:t>
             </a:fld>
             <a:endParaRPr lang="da-DK"/>
           </a:p>
@@ -6955,7 +6955,7 @@
           <a:p>
             <a:fld id="{019E29B9-5584-4737-9C98-1B926378C778}" type="datetime1">
               <a:rPr lang="en-US" smtClean="0"/>
-              <a:t>6/9/2021</a:t>
+              <a:t>1/8/2022</a:t>
             </a:fld>
             <a:endParaRPr lang="da-DK"/>
           </a:p>
@@ -7099,7 +7099,7 @@
           <a:p>
             <a:fld id="{019E29B9-5584-4737-9C98-1B926378C778}" type="datetime1">
               <a:rPr lang="en-US" smtClean="0"/>
-              <a:t>6/9/2021</a:t>
+              <a:t>1/8/2022</a:t>
             </a:fld>
             <a:endParaRPr lang="da-DK"/>
           </a:p>
@@ -7895,7 +7895,7 @@
           <a:p>
             <a:fld id="{019E29B9-5584-4737-9C98-1B926378C778}" type="datetime1">
               <a:rPr lang="en-US" smtClean="0"/>
-              <a:t>6/9/2021</a:t>
+              <a:t>1/8/2022</a:t>
             </a:fld>
             <a:endParaRPr lang="da-DK"/>
           </a:p>
@@ -8100,7 +8100,7 @@
           <a:p>
             <a:fld id="{019E29B9-5584-4737-9C98-1B926378C778}" type="datetime1">
               <a:rPr lang="en-US" smtClean="0"/>
-              <a:t>6/9/2021</a:t>
+              <a:t>1/8/2022</a:t>
             </a:fld>
             <a:endParaRPr lang="da-DK"/>
           </a:p>
@@ -8305,7 +8305,7 @@
           <a:p>
             <a:fld id="{019E29B9-5584-4737-9C98-1B926378C778}" type="datetime1">
               <a:rPr lang="en-US" smtClean="0"/>
-              <a:t>6/9/2021</a:t>
+              <a:t>1/8/2022</a:t>
             </a:fld>
             <a:endParaRPr lang="da-DK"/>
           </a:p>
@@ -8510,7 +8510,7 @@
           <a:p>
             <a:fld id="{019E29B9-5584-4737-9C98-1B926378C778}" type="datetime1">
               <a:rPr lang="en-US" smtClean="0"/>
-              <a:t>6/9/2021</a:t>
+              <a:t>1/8/2022</a:t>
             </a:fld>
             <a:endParaRPr lang="da-DK"/>
           </a:p>
@@ -8766,7 +8766,7 @@
           <a:p>
             <a:fld id="{019E29B9-5584-4737-9C98-1B926378C778}" type="datetime1">
               <a:rPr lang="en-US" smtClean="0"/>
-              <a:t>6/9/2021</a:t>
+              <a:t>1/8/2022</a:t>
             </a:fld>
             <a:endParaRPr lang="da-DK"/>
           </a:p>
@@ -8997,7 +8997,7 @@
           <a:p>
             <a:fld id="{019E29B9-5584-4737-9C98-1B926378C778}" type="datetime1">
               <a:rPr lang="en-US" smtClean="0"/>
-              <a:t>6/9/2021</a:t>
+              <a:t>1/8/2022</a:t>
             </a:fld>
             <a:endParaRPr lang="da-DK"/>
           </a:p>
@@ -9201,7 +9201,7 @@
           <a:p>
             <a:fld id="{019E29B9-5584-4737-9C98-1B926378C778}" type="datetime1">
               <a:rPr lang="en-US" smtClean="0"/>
-              <a:t>6/9/2021</a:t>
+              <a:t>1/8/2022</a:t>
             </a:fld>
             <a:endParaRPr lang="da-DK"/>
           </a:p>
@@ -9904,7 +9904,7 @@
           <a:p>
             <a:fld id="{019E29B9-5584-4737-9C98-1B926378C778}" type="datetime1">
               <a:rPr lang="en-US" smtClean="0"/>
-              <a:t>6/9/2021</a:t>
+              <a:t>1/8/2022</a:t>
             </a:fld>
             <a:endParaRPr lang="da-DK"/>
           </a:p>
@@ -10360,7 +10360,7 @@
           <a:p>
             <a:r>
               <a:rPr lang="da-DK" dirty="0"/>
-              <a:t>Why you should care about todays exercises</a:t>
+              <a:t>Why you should care about today's exercises</a:t>
             </a:r>
             <a:endParaRPr lang="en-US" dirty="0"/>
           </a:p>
@@ -10423,7 +10423,7 @@
           <a:p>
             <a:fld id="{019E29B9-5584-4737-9C98-1B926378C778}" type="datetime1">
               <a:rPr lang="en-US" smtClean="0"/>
-              <a:t>6/9/2021</a:t>
+              <a:t>1/8/2022</a:t>
             </a:fld>
             <a:endParaRPr lang="da-DK"/>
           </a:p>
@@ -10592,7 +10592,7 @@
           <a:p>
             <a:fld id="{019E29B9-5584-4737-9C98-1B926378C778}" type="datetime1">
               <a:rPr lang="en-US" smtClean="0"/>
-              <a:t>6/9/2021</a:t>
+              <a:t>1/8/2022</a:t>
             </a:fld>
             <a:endParaRPr lang="da-DK"/>
           </a:p>
@@ -10930,7 +10930,7 @@
             </a:r>
             <a:r>
               <a:rPr lang="en-US" sz="2000" dirty="0" err="1"/>
-              <a:t>ect</a:t>
+              <a:t>etc</a:t>
             </a:r>
             <a:endParaRPr lang="en-US" sz="2000" dirty="0"/>
           </a:p>
@@ -11126,7 +11126,7 @@
           <a:p>
             <a:fld id="{019E29B9-5584-4737-9C98-1B926378C778}" type="datetime1">
               <a:rPr lang="en-US" smtClean="0"/>
-              <a:t>6/9/2021</a:t>
+              <a:t>1/8/2022</a:t>
             </a:fld>
             <a:endParaRPr lang="da-DK"/>
           </a:p>
@@ -11364,7 +11364,7 @@
           <a:p>
             <a:fld id="{019E29B9-5584-4737-9C98-1B926378C778}" type="datetime1">
               <a:rPr lang="en-US" smtClean="0"/>
-              <a:t>6/9/2021</a:t>
+              <a:t>1/8/2022</a:t>
             </a:fld>
             <a:endParaRPr lang="da-DK"/>
           </a:p>
@@ -11569,7 +11569,7 @@
           <a:p>
             <a:fld id="{019E29B9-5584-4737-9C98-1B926378C778}" type="datetime1">
               <a:rPr lang="en-US" smtClean="0"/>
-              <a:t>6/9/2021</a:t>
+              <a:t>1/8/2022</a:t>
             </a:fld>
             <a:endParaRPr lang="da-DK"/>
           </a:p>
@@ -12098,7 +12098,7 @@
           <a:p>
             <a:fld id="{019E29B9-5584-4737-9C98-1B926378C778}" type="datetime1">
               <a:rPr lang="en-US" smtClean="0"/>
-              <a:t>6/9/2021</a:t>
+              <a:t>1/8/2022</a:t>
             </a:fld>
             <a:endParaRPr lang="da-DK"/>
           </a:p>
@@ -12242,13 +12242,8 @@
           <a:p>
             <a:r>
               <a:rPr lang="en-US" dirty="0"/>
-              <a:t>Software </a:t>
-            </a:r>
-            <a:r>
-              <a:rPr lang="en-US" dirty="0" err="1"/>
-              <a:t>practise</a:t>
-            </a:r>
-            <a:endParaRPr lang="en-US" dirty="0"/>
+              <a:t>Software practice</a:t>
+            </a:r>
           </a:p>
           <a:p>
             <a:pPr lvl="1"/>
@@ -12269,7 +12264,7 @@
             <a:pPr lvl="1"/>
             <a:r>
               <a:rPr lang="en-US" dirty="0"/>
-              <a:t>By commit sooner than later, errors are captured early</a:t>
+              <a:t>By committing sooner than later, errors are captured early</a:t>
             </a:r>
           </a:p>
           <a:p>
@@ -12331,7 +12326,7 @@
           <a:p>
             <a:fld id="{019E29B9-5584-4737-9C98-1B926378C778}" type="datetime1">
               <a:rPr lang="en-US" smtClean="0"/>
-              <a:t>6/9/2021</a:t>
+              <a:t>1/8/2022</a:t>
             </a:fld>
             <a:endParaRPr lang="da-DK"/>
           </a:p>
@@ -12421,7 +12416,7 @@
         </p:blipFill>
         <p:spPr>
           <a:xfrm>
-            <a:off x="8633982" y="1560352"/>
+            <a:off x="8886538" y="1560352"/>
             <a:ext cx="2480394" cy="4204400"/>
           </a:xfrm>
           <a:prstGeom prst="rect">
@@ -12435,6 +12430,287 @@
             <a:extLst>
               <a:ext uri="{FF2B5EF4-FFF2-40B4-BE49-F238E27FC236}">
                 <a16:creationId xmlns:a16="http://schemas.microsoft.com/office/drawing/2014/main" id="{CBB6EA17-443E-4DFB-BEB6-2C9DE276DD2D}"/>
+              </a:ext>
+            </a:extLst>
+          </p:cNvPr>
+          <p:cNvSpPr/>
+          <p:nvPr/>
+        </p:nvSpPr>
+        <p:spPr>
+          <a:xfrm>
+            <a:off x="9089447" y="4278065"/>
+            <a:ext cx="2264353" cy="545285"/>
+          </a:xfrm>
+          <a:prstGeom prst="rect">
+            <a:avLst/>
+          </a:prstGeom>
+          <a:noFill/>
+          <a:ln w="38100">
+            <a:solidFill>
+              <a:srgbClr val="FF0000"/>
+            </a:solidFill>
+          </a:ln>
+        </p:spPr>
+        <p:style>
+          <a:lnRef idx="2">
+            <a:schemeClr val="accent1">
+              <a:shade val="50000"/>
+            </a:schemeClr>
+          </a:lnRef>
+          <a:fillRef idx="1">
+            <a:schemeClr val="accent1"/>
+          </a:fillRef>
+          <a:effectRef idx="0">
+            <a:schemeClr val="accent1"/>
+          </a:effectRef>
+          <a:fontRef idx="minor">
+            <a:schemeClr val="lt1"/>
+          </a:fontRef>
+        </p:style>
+        <p:txBody>
+          <a:bodyPr rtlCol="0" anchor="ctr"/>
+          <a:lstStyle/>
+          <a:p>
+            <a:pPr algn="ctr"/>
+            <a:endParaRPr lang="da-DK"/>
+          </a:p>
+        </p:txBody>
+      </p:sp>
+    </p:spTree>
+    <p:extLst>
+      <p:ext uri="{BB962C8B-B14F-4D97-AF65-F5344CB8AC3E}">
+        <p14:creationId xmlns:p14="http://schemas.microsoft.com/office/powerpoint/2010/main" val="574670851"/>
+      </p:ext>
+    </p:extLst>
+  </p:cSld>
+  <p:clrMapOvr>
+    <a:masterClrMapping/>
+  </p:clrMapOvr>
+</p:sld>
+</file>
+
+<file path=ppt/slides/slide4.xml><?xml version="1.0" encoding="utf-8"?>
+<p:sld xmlns:a="http://schemas.openxmlformats.org/drawingml/2006/main" xmlns:r="http://schemas.openxmlformats.org/officeDocument/2006/relationships" xmlns:p="http://schemas.openxmlformats.org/presentationml/2006/main">
+  <p:cSld>
+    <p:spTree>
+      <p:nvGrpSpPr>
+        <p:cNvPr id="1" name=""/>
+        <p:cNvGrpSpPr/>
+        <p:nvPr/>
+      </p:nvGrpSpPr>
+      <p:grpSpPr>
+        <a:xfrm>
+          <a:off x="0" y="0"/>
+          <a:ext cx="0" cy="0"/>
+          <a:chOff x="0" y="0"/>
+          <a:chExt cx="0" cy="0"/>
+        </a:xfrm>
+      </p:grpSpPr>
+      <p:sp>
+        <p:nvSpPr>
+          <p:cNvPr id="2" name="Title 1">
+            <a:extLst>
+              <a:ext uri="{FF2B5EF4-FFF2-40B4-BE49-F238E27FC236}">
+                <a16:creationId xmlns:a16="http://schemas.microsoft.com/office/drawing/2014/main" id="{48DA37BB-052C-4162-8B1F-A8196FDD6358}"/>
+              </a:ext>
+            </a:extLst>
+          </p:cNvPr>
+          <p:cNvSpPr>
+            <a:spLocks noGrp="1"/>
+          </p:cNvSpPr>
+          <p:nvPr>
+            <p:ph type="title"/>
+          </p:nvPr>
+        </p:nvSpPr>
+        <p:spPr/>
+        <p:txBody>
+          <a:bodyPr/>
+          <a:lstStyle/>
+          <a:p>
+            <a:r>
+              <a:rPr lang="da-DK" dirty="0"/>
+              <a:t>What is continues deployment?</a:t>
+            </a:r>
+          </a:p>
+        </p:txBody>
+      </p:sp>
+      <p:sp>
+        <p:nvSpPr>
+          <p:cNvPr id="3" name="Content Placeholder 2">
+            <a:extLst>
+              <a:ext uri="{FF2B5EF4-FFF2-40B4-BE49-F238E27FC236}">
+                <a16:creationId xmlns:a16="http://schemas.microsoft.com/office/drawing/2014/main" id="{65DD1E78-E6E0-4D6B-A490-20DA1967FE1A}"/>
+              </a:ext>
+            </a:extLst>
+          </p:cNvPr>
+          <p:cNvSpPr>
+            <a:spLocks noGrp="1"/>
+          </p:cNvSpPr>
+          <p:nvPr>
+            <p:ph idx="1"/>
+          </p:nvPr>
+        </p:nvSpPr>
+        <p:spPr/>
+        <p:txBody>
+          <a:bodyPr>
+            <a:normAutofit/>
+          </a:bodyPr>
+          <a:lstStyle/>
+          <a:p>
+            <a:r>
+              <a:rPr lang="en-US" dirty="0"/>
+              <a:t>How to get your code to the user</a:t>
+            </a:r>
+          </a:p>
+          <a:p>
+            <a:pPr lvl="1"/>
+            <a:endParaRPr lang="en-US" dirty="0"/>
+          </a:p>
+          <a:p>
+            <a:pPr lvl="1"/>
+            <a:r>
+              <a:rPr lang="en-US" dirty="0"/>
+              <a:t>3 phases: Testing, staging and deploying</a:t>
+            </a:r>
+          </a:p>
+          <a:p>
+            <a:endParaRPr lang="en-US" dirty="0"/>
+          </a:p>
+          <a:p>
+            <a:r>
+              <a:rPr lang="en-US" dirty="0"/>
+              <a:t>App dependent</a:t>
+            </a:r>
+          </a:p>
+        </p:txBody>
+      </p:sp>
+      <p:sp>
+        <p:nvSpPr>
+          <p:cNvPr id="4" name="Date Placeholder 3">
+            <a:extLst>
+              <a:ext uri="{FF2B5EF4-FFF2-40B4-BE49-F238E27FC236}">
+                <a16:creationId xmlns:a16="http://schemas.microsoft.com/office/drawing/2014/main" id="{31D842F6-9FE3-4514-ADE3-1F92A3016EDE}"/>
+              </a:ext>
+            </a:extLst>
+          </p:cNvPr>
+          <p:cNvSpPr>
+            <a:spLocks noGrp="1"/>
+          </p:cNvSpPr>
+          <p:nvPr>
+            <p:ph type="dt" sz="half" idx="10"/>
+          </p:nvPr>
+        </p:nvSpPr>
+        <p:spPr/>
+        <p:txBody>
+          <a:bodyPr/>
+          <a:lstStyle/>
+          <a:p>
+            <a:fld id="{019E29B9-5584-4737-9C98-1B926378C778}" type="datetime1">
+              <a:rPr lang="en-US" smtClean="0"/>
+              <a:t>1/8/2022</a:t>
+            </a:fld>
+            <a:endParaRPr lang="da-DK"/>
+          </a:p>
+        </p:txBody>
+      </p:sp>
+      <p:sp>
+        <p:nvSpPr>
+          <p:cNvPr id="5" name="Footer Placeholder 4">
+            <a:extLst>
+              <a:ext uri="{FF2B5EF4-FFF2-40B4-BE49-F238E27FC236}">
+                <a16:creationId xmlns:a16="http://schemas.microsoft.com/office/drawing/2014/main" id="{67C49E5E-D04D-4250-8916-1F617CA5FE9F}"/>
+              </a:ext>
+            </a:extLst>
+          </p:cNvPr>
+          <p:cNvSpPr>
+            <a:spLocks noGrp="1"/>
+          </p:cNvSpPr>
+          <p:nvPr>
+            <p:ph type="ftr" sz="quarter" idx="11"/>
+          </p:nvPr>
+        </p:nvSpPr>
+        <p:spPr/>
+        <p:txBody>
+          <a:bodyPr/>
+          <a:lstStyle/>
+          <a:p>
+            <a:r>
+              <a:rPr lang="da-DK"/>
+              <a:t>Nicki Skafte Detlefsen</a:t>
+            </a:r>
+          </a:p>
+        </p:txBody>
+      </p:sp>
+      <p:sp>
+        <p:nvSpPr>
+          <p:cNvPr id="6" name="Slide Number Placeholder 5">
+            <a:extLst>
+              <a:ext uri="{FF2B5EF4-FFF2-40B4-BE49-F238E27FC236}">
+                <a16:creationId xmlns:a16="http://schemas.microsoft.com/office/drawing/2014/main" id="{DAEE29FC-53C6-42BA-B78B-DA81FD74F33B}"/>
+              </a:ext>
+            </a:extLst>
+          </p:cNvPr>
+          <p:cNvSpPr>
+            <a:spLocks noGrp="1"/>
+          </p:cNvSpPr>
+          <p:nvPr>
+            <p:ph type="sldNum" sz="quarter" idx="12"/>
+          </p:nvPr>
+        </p:nvSpPr>
+        <p:spPr/>
+        <p:txBody>
+          <a:bodyPr/>
+          <a:lstStyle/>
+          <a:p>
+            <a:fld id="{F6FEDE24-D50C-481B-A7B4-8AF13899101A}" type="slidenum">
+              <a:rPr lang="da-DK" smtClean="0"/>
+              <a:t>4</a:t>
+            </a:fld>
+            <a:endParaRPr lang="da-DK"/>
+          </a:p>
+        </p:txBody>
+      </p:sp>
+      <p:pic>
+        <p:nvPicPr>
+          <p:cNvPr id="7" name="Picture 6" descr="Diagram&#10;&#10;Description automatically generated">
+            <a:extLst>
+              <a:ext uri="{FF2B5EF4-FFF2-40B4-BE49-F238E27FC236}">
+                <a16:creationId xmlns:a16="http://schemas.microsoft.com/office/drawing/2014/main" id="{3474A754-DC40-4C13-BBA9-5C3B8F61E1D4}"/>
+              </a:ext>
+            </a:extLst>
+          </p:cNvPr>
+          <p:cNvPicPr>
+            <a:picLocks noChangeAspect="1"/>
+          </p:cNvPicPr>
+          <p:nvPr/>
+        </p:nvPicPr>
+        <p:blipFill rotWithShape="1">
+          <a:blip r:embed="rId2">
+            <a:extLst>
+              <a:ext uri="{28A0092B-C50C-407E-A947-70E740481C1C}">
+                <a14:useLocalDpi xmlns:a14="http://schemas.microsoft.com/office/drawing/2010/main" val="0"/>
+              </a:ext>
+            </a:extLst>
+          </a:blip>
+          <a:srcRect l="65066" t="21007"/>
+          <a:stretch/>
+        </p:blipFill>
+        <p:spPr>
+          <a:xfrm>
+            <a:off x="8742003" y="1560352"/>
+            <a:ext cx="2480394" cy="4204400"/>
+          </a:xfrm>
+          <a:prstGeom prst="rect">
+            <a:avLst/>
+          </a:prstGeom>
+        </p:spPr>
+      </p:pic>
+      <p:sp>
+        <p:nvSpPr>
+          <p:cNvPr id="8" name="Rectangle 7">
+            <a:extLst>
+              <a:ext uri="{FF2B5EF4-FFF2-40B4-BE49-F238E27FC236}">
+                <a16:creationId xmlns:a16="http://schemas.microsoft.com/office/drawing/2014/main" id="{04E952B0-09AB-4875-AF7F-ABD953E35184}"/>
               </a:ext>
             </a:extLst>
           </p:cNvPr>
@@ -12484,302 +12760,6 @@
     </p:spTree>
     <p:extLst>
       <p:ext uri="{BB962C8B-B14F-4D97-AF65-F5344CB8AC3E}">
-        <p14:creationId xmlns:p14="http://schemas.microsoft.com/office/powerpoint/2010/main" val="574670851"/>
-      </p:ext>
-    </p:extLst>
-  </p:cSld>
-  <p:clrMapOvr>
-    <a:masterClrMapping/>
-  </p:clrMapOvr>
-</p:sld>
-</file>
-
-<file path=ppt/slides/slide4.xml><?xml version="1.0" encoding="utf-8"?>
-<p:sld xmlns:a="http://schemas.openxmlformats.org/drawingml/2006/main" xmlns:r="http://schemas.openxmlformats.org/officeDocument/2006/relationships" xmlns:p="http://schemas.openxmlformats.org/presentationml/2006/main">
-  <p:cSld>
-    <p:spTree>
-      <p:nvGrpSpPr>
-        <p:cNvPr id="1" name=""/>
-        <p:cNvGrpSpPr/>
-        <p:nvPr/>
-      </p:nvGrpSpPr>
-      <p:grpSpPr>
-        <a:xfrm>
-          <a:off x="0" y="0"/>
-          <a:ext cx="0" cy="0"/>
-          <a:chOff x="0" y="0"/>
-          <a:chExt cx="0" cy="0"/>
-        </a:xfrm>
-      </p:grpSpPr>
-      <p:sp>
-        <p:nvSpPr>
-          <p:cNvPr id="2" name="Title 1">
-            <a:extLst>
-              <a:ext uri="{FF2B5EF4-FFF2-40B4-BE49-F238E27FC236}">
-                <a16:creationId xmlns:a16="http://schemas.microsoft.com/office/drawing/2014/main" id="{48DA37BB-052C-4162-8B1F-A8196FDD6358}"/>
-              </a:ext>
-            </a:extLst>
-          </p:cNvPr>
-          <p:cNvSpPr>
-            <a:spLocks noGrp="1"/>
-          </p:cNvSpPr>
-          <p:nvPr>
-            <p:ph type="title"/>
-          </p:nvPr>
-        </p:nvSpPr>
-        <p:spPr/>
-        <p:txBody>
-          <a:bodyPr/>
-          <a:lstStyle/>
-          <a:p>
-            <a:r>
-              <a:rPr lang="da-DK" dirty="0"/>
-              <a:t>What is continues deployment?</a:t>
-            </a:r>
-          </a:p>
-        </p:txBody>
-      </p:sp>
-      <p:sp>
-        <p:nvSpPr>
-          <p:cNvPr id="3" name="Content Placeholder 2">
-            <a:extLst>
-              <a:ext uri="{FF2B5EF4-FFF2-40B4-BE49-F238E27FC236}">
-                <a16:creationId xmlns:a16="http://schemas.microsoft.com/office/drawing/2014/main" id="{65DD1E78-E6E0-4D6B-A490-20DA1967FE1A}"/>
-              </a:ext>
-            </a:extLst>
-          </p:cNvPr>
-          <p:cNvSpPr>
-            <a:spLocks noGrp="1"/>
-          </p:cNvSpPr>
-          <p:nvPr>
-            <p:ph idx="1"/>
-          </p:nvPr>
-        </p:nvSpPr>
-        <p:spPr/>
-        <p:txBody>
-          <a:bodyPr>
-            <a:normAutofit/>
-          </a:bodyPr>
-          <a:lstStyle/>
-          <a:p>
-            <a:r>
-              <a:rPr lang="en-US" dirty="0"/>
-              <a:t>How to get your code to the user</a:t>
-            </a:r>
-          </a:p>
-          <a:p>
-            <a:pPr lvl="1"/>
-            <a:endParaRPr lang="en-US" dirty="0"/>
-          </a:p>
-          <a:p>
-            <a:pPr lvl="1"/>
-            <a:r>
-              <a:rPr lang="en-US" dirty="0"/>
-              <a:t>3 phases: Testing, staging and deploying</a:t>
-            </a:r>
-          </a:p>
-          <a:p>
-            <a:endParaRPr lang="en-US" dirty="0"/>
-          </a:p>
-          <a:p>
-            <a:r>
-              <a:rPr lang="en-US" dirty="0"/>
-              <a:t>App dependent</a:t>
-            </a:r>
-          </a:p>
-          <a:p>
-            <a:pPr marL="0" indent="0">
-              <a:buNone/>
-            </a:pPr>
-            <a:endParaRPr lang="en-US" dirty="0"/>
-          </a:p>
-          <a:p>
-            <a:pPr marL="0" indent="0">
-              <a:buNone/>
-            </a:pPr>
-            <a:r>
-              <a:rPr lang="en-US" dirty="0"/>
-              <a:t>Note: Not covered in this course</a:t>
-            </a:r>
-          </a:p>
-        </p:txBody>
-      </p:sp>
-      <p:sp>
-        <p:nvSpPr>
-          <p:cNvPr id="4" name="Date Placeholder 3">
-            <a:extLst>
-              <a:ext uri="{FF2B5EF4-FFF2-40B4-BE49-F238E27FC236}">
-                <a16:creationId xmlns:a16="http://schemas.microsoft.com/office/drawing/2014/main" id="{31D842F6-9FE3-4514-ADE3-1F92A3016EDE}"/>
-              </a:ext>
-            </a:extLst>
-          </p:cNvPr>
-          <p:cNvSpPr>
-            <a:spLocks noGrp="1"/>
-          </p:cNvSpPr>
-          <p:nvPr>
-            <p:ph type="dt" sz="half" idx="10"/>
-          </p:nvPr>
-        </p:nvSpPr>
-        <p:spPr/>
-        <p:txBody>
-          <a:bodyPr/>
-          <a:lstStyle/>
-          <a:p>
-            <a:fld id="{019E29B9-5584-4737-9C98-1B926378C778}" type="datetime1">
-              <a:rPr lang="en-US" smtClean="0"/>
-              <a:t>6/9/2021</a:t>
-            </a:fld>
-            <a:endParaRPr lang="da-DK"/>
-          </a:p>
-        </p:txBody>
-      </p:sp>
-      <p:sp>
-        <p:nvSpPr>
-          <p:cNvPr id="5" name="Footer Placeholder 4">
-            <a:extLst>
-              <a:ext uri="{FF2B5EF4-FFF2-40B4-BE49-F238E27FC236}">
-                <a16:creationId xmlns:a16="http://schemas.microsoft.com/office/drawing/2014/main" id="{67C49E5E-D04D-4250-8916-1F617CA5FE9F}"/>
-              </a:ext>
-            </a:extLst>
-          </p:cNvPr>
-          <p:cNvSpPr>
-            <a:spLocks noGrp="1"/>
-          </p:cNvSpPr>
-          <p:nvPr>
-            <p:ph type="ftr" sz="quarter" idx="11"/>
-          </p:nvPr>
-        </p:nvSpPr>
-        <p:spPr/>
-        <p:txBody>
-          <a:bodyPr/>
-          <a:lstStyle/>
-          <a:p>
-            <a:r>
-              <a:rPr lang="da-DK"/>
-              <a:t>Nicki Skafte Detlefsen</a:t>
-            </a:r>
-          </a:p>
-        </p:txBody>
-      </p:sp>
-      <p:sp>
-        <p:nvSpPr>
-          <p:cNvPr id="6" name="Slide Number Placeholder 5">
-            <a:extLst>
-              <a:ext uri="{FF2B5EF4-FFF2-40B4-BE49-F238E27FC236}">
-                <a16:creationId xmlns:a16="http://schemas.microsoft.com/office/drawing/2014/main" id="{DAEE29FC-53C6-42BA-B78B-DA81FD74F33B}"/>
-              </a:ext>
-            </a:extLst>
-          </p:cNvPr>
-          <p:cNvSpPr>
-            <a:spLocks noGrp="1"/>
-          </p:cNvSpPr>
-          <p:nvPr>
-            <p:ph type="sldNum" sz="quarter" idx="12"/>
-          </p:nvPr>
-        </p:nvSpPr>
-        <p:spPr/>
-        <p:txBody>
-          <a:bodyPr/>
-          <a:lstStyle/>
-          <a:p>
-            <a:fld id="{F6FEDE24-D50C-481B-A7B4-8AF13899101A}" type="slidenum">
-              <a:rPr lang="da-DK" smtClean="0"/>
-              <a:t>4</a:t>
-            </a:fld>
-            <a:endParaRPr lang="da-DK"/>
-          </a:p>
-        </p:txBody>
-      </p:sp>
-      <p:pic>
-        <p:nvPicPr>
-          <p:cNvPr id="7" name="Picture 6" descr="Diagram&#10;&#10;Description automatically generated">
-            <a:extLst>
-              <a:ext uri="{FF2B5EF4-FFF2-40B4-BE49-F238E27FC236}">
-                <a16:creationId xmlns:a16="http://schemas.microsoft.com/office/drawing/2014/main" id="{3474A754-DC40-4C13-BBA9-5C3B8F61E1D4}"/>
-              </a:ext>
-            </a:extLst>
-          </p:cNvPr>
-          <p:cNvPicPr>
-            <a:picLocks noChangeAspect="1"/>
-          </p:cNvPicPr>
-          <p:nvPr/>
-        </p:nvPicPr>
-        <p:blipFill rotWithShape="1">
-          <a:blip r:embed="rId2">
-            <a:extLst>
-              <a:ext uri="{28A0092B-C50C-407E-A947-70E740481C1C}">
-                <a14:useLocalDpi xmlns:a14="http://schemas.microsoft.com/office/drawing/2010/main" val="0"/>
-              </a:ext>
-            </a:extLst>
-          </a:blip>
-          <a:srcRect l="65066" t="21007"/>
-          <a:stretch/>
-        </p:blipFill>
-        <p:spPr>
-          <a:xfrm>
-            <a:off x="8742003" y="1560352"/>
-            <a:ext cx="2480394" cy="4204400"/>
-          </a:xfrm>
-          <a:prstGeom prst="rect">
-            <a:avLst/>
-          </a:prstGeom>
-        </p:spPr>
-      </p:pic>
-      <p:sp>
-        <p:nvSpPr>
-          <p:cNvPr id="8" name="Rectangle 7">
-            <a:extLst>
-              <a:ext uri="{FF2B5EF4-FFF2-40B4-BE49-F238E27FC236}">
-                <a16:creationId xmlns:a16="http://schemas.microsoft.com/office/drawing/2014/main" id="{04E952B0-09AB-4875-AF7F-ABD953E35184}"/>
-              </a:ext>
-            </a:extLst>
-          </p:cNvPr>
-          <p:cNvSpPr/>
-          <p:nvPr/>
-        </p:nvSpPr>
-        <p:spPr>
-          <a:xfrm>
-            <a:off x="8742003" y="4286774"/>
-            <a:ext cx="2264353" cy="545285"/>
-          </a:xfrm>
-          <a:prstGeom prst="rect">
-            <a:avLst/>
-          </a:prstGeom>
-          <a:noFill/>
-          <a:ln w="38100">
-            <a:solidFill>
-              <a:srgbClr val="FF0000"/>
-            </a:solidFill>
-          </a:ln>
-        </p:spPr>
-        <p:style>
-          <a:lnRef idx="2">
-            <a:schemeClr val="accent1">
-              <a:shade val="50000"/>
-            </a:schemeClr>
-          </a:lnRef>
-          <a:fillRef idx="1">
-            <a:schemeClr val="accent1"/>
-          </a:fillRef>
-          <a:effectRef idx="0">
-            <a:schemeClr val="accent1"/>
-          </a:effectRef>
-          <a:fontRef idx="minor">
-            <a:schemeClr val="lt1"/>
-          </a:fontRef>
-        </p:style>
-        <p:txBody>
-          <a:bodyPr rtlCol="0" anchor="ctr"/>
-          <a:lstStyle/>
-          <a:p>
-            <a:pPr algn="ctr"/>
-            <a:endParaRPr lang="da-DK"/>
-          </a:p>
-        </p:txBody>
-      </p:sp>
-    </p:spTree>
-    <p:extLst>
-      <p:ext uri="{BB962C8B-B14F-4D97-AF65-F5344CB8AC3E}">
         <p14:creationId xmlns:p14="http://schemas.microsoft.com/office/powerpoint/2010/main" val="436421641"/>
       </p:ext>
     </p:extLst>
@@ -12914,7 +12894,7 @@
           <a:p>
             <a:fld id="{019E29B9-5584-4737-9C98-1B926378C778}" type="datetime1">
               <a:rPr lang="en-US" smtClean="0"/>
-              <a:t>6/9/2021</a:t>
+              <a:t>1/8/2022</a:t>
             </a:fld>
             <a:endParaRPr lang="da-DK"/>
           </a:p>
@@ -13061,13 +13041,8 @@
             </a:pPr>
             <a:r>
               <a:rPr lang="en-US" dirty="0"/>
-              <a:t>All the metric in the world – now in </a:t>
-            </a:r>
-            <a:r>
-              <a:rPr lang="en-US" dirty="0" err="1"/>
-              <a:t>pytorch</a:t>
-            </a:r>
-            <a:endParaRPr lang="en-US" dirty="0"/>
+              <a:t>All the metric in the world – now in Pytorch</a:t>
+            </a:r>
           </a:p>
         </p:txBody>
       </p:sp>
@@ -13094,7 +13069,7 @@
           <a:p>
             <a:fld id="{019E29B9-5584-4737-9C98-1B926378C778}" type="datetime1">
               <a:rPr lang="en-US" smtClean="0"/>
-              <a:t>6/9/2021</a:t>
+              <a:t>1/8/2022</a:t>
             </a:fld>
             <a:endParaRPr lang="da-DK"/>
           </a:p>
@@ -13408,7 +13383,7 @@
           <a:p>
             <a:fld id="{019E29B9-5584-4737-9C98-1B926378C778}" type="datetime1">
               <a:rPr lang="en-US" smtClean="0"/>
-              <a:t>6/9/2021</a:t>
+              <a:t>1/8/2022</a:t>
             </a:fld>
             <a:endParaRPr lang="da-DK"/>
           </a:p>
@@ -13721,7 +13696,7 @@
           <a:p>
             <a:fld id="{019E29B9-5584-4737-9C98-1B926378C778}" type="datetime1">
               <a:rPr lang="en-US" smtClean="0"/>
-              <a:t>6/9/2021</a:t>
+              <a:t>1/8/2022</a:t>
             </a:fld>
             <a:endParaRPr lang="da-DK"/>
           </a:p>
@@ -13936,7 +13911,7 @@
           <a:p>
             <a:fld id="{019E29B9-5584-4737-9C98-1B926378C778}" type="datetime1">
               <a:rPr lang="en-US" smtClean="0"/>
-              <a:t>6/9/2021</a:t>
+              <a:t>1/8/2022</a:t>
             </a:fld>
             <a:endParaRPr lang="da-DK"/>
           </a:p>

--- a/s5_continues_x/lecture/ci.pptx
+++ b/s5_continues_x/lecture/ci.pptx
@@ -2900,7 +2900,7 @@
           <a:p>
             <a:fld id="{D75CAE95-D2DD-4998-876A-092BFD628C65}" type="datetimeFigureOut">
               <a:rPr lang="da-DK" smtClean="0"/>
-              <a:t>08-01-2022</a:t>
+              <a:t>10-01-2022</a:t>
             </a:fld>
             <a:endParaRPr lang="da-DK"/>
           </a:p>
@@ -3078,7 +3078,7 @@
           <a:p>
             <a:fld id="{1DA8E099-58AA-4136-B409-1CAD1943D842}" type="datetimeFigureOut">
               <a:rPr lang="da-DK" smtClean="0"/>
-              <a:t>08-01-2022</a:t>
+              <a:t>10-01-2022</a:t>
             </a:fld>
             <a:endParaRPr lang="da-DK"/>
           </a:p>
@@ -3496,7 +3496,7 @@
           <a:p>
             <a:fld id="{C85334AD-9960-4065-BF34-86ED0345A76D}" type="datetime1">
               <a:rPr lang="en-US" smtClean="0"/>
-              <a:t>1/8/2022</a:t>
+              <a:t>1/10/2022</a:t>
             </a:fld>
             <a:endParaRPr lang="da-DK"/>
           </a:p>
@@ -3735,7 +3735,7 @@
           <a:p>
             <a:fld id="{C5669758-3775-48D7-A841-693E908C3BF4}" type="datetime1">
               <a:rPr lang="en-US" smtClean="0"/>
-              <a:t>1/8/2022</a:t>
+              <a:t>1/10/2022</a:t>
             </a:fld>
             <a:endParaRPr lang="da-DK"/>
           </a:p>
@@ -3948,7 +3948,7 @@
           <a:p>
             <a:fld id="{1E0C3FF1-EDBD-4F2A-8366-34A4E3728310}" type="datetime1">
               <a:rPr lang="en-US" smtClean="0"/>
-              <a:t>1/8/2022</a:t>
+              <a:t>1/10/2022</a:t>
             </a:fld>
             <a:endParaRPr lang="da-DK"/>
           </a:p>
@@ -4169,7 +4169,7 @@
           <a:p>
             <a:fld id="{019E29B9-5584-4737-9C98-1B926378C778}" type="datetime1">
               <a:rPr lang="en-US" smtClean="0"/>
-              <a:t>1/8/2022</a:t>
+              <a:t>1/10/2022</a:t>
             </a:fld>
             <a:endParaRPr lang="da-DK"/>
           </a:p>
@@ -4484,7 +4484,7 @@
           <a:p>
             <a:fld id="{FCE38F03-F67D-4508-A858-99FCD085087C}" type="datetime1">
               <a:rPr lang="en-US" smtClean="0"/>
-              <a:t>1/8/2022</a:t>
+              <a:t>1/10/2022</a:t>
             </a:fld>
             <a:endParaRPr lang="da-DK"/>
           </a:p>
@@ -4755,7 +4755,7 @@
           <a:p>
             <a:fld id="{B43F2930-3FFD-4F93-A4BD-4F0D1A0B4514}" type="datetime1">
               <a:rPr lang="en-US" smtClean="0"/>
-              <a:t>1/8/2022</a:t>
+              <a:t>1/10/2022</a:t>
             </a:fld>
             <a:endParaRPr lang="da-DK"/>
           </a:p>
@@ -5173,7 +5173,7 @@
           <a:p>
             <a:fld id="{8E0F9B9B-30CC-4693-8E0F-1A94A979E2C5}" type="datetime1">
               <a:rPr lang="en-US" smtClean="0"/>
-              <a:t>1/8/2022</a:t>
+              <a:t>1/10/2022</a:t>
             </a:fld>
             <a:endParaRPr lang="da-DK"/>
           </a:p>
@@ -5318,7 +5318,7 @@
           <a:p>
             <a:fld id="{6FE1433B-E6A7-44FF-8B55-539471B4D7C5}" type="datetime1">
               <a:rPr lang="en-US" smtClean="0"/>
-              <a:t>1/8/2022</a:t>
+              <a:t>1/10/2022</a:t>
             </a:fld>
             <a:endParaRPr lang="da-DK"/>
           </a:p>
@@ -5434,7 +5434,7 @@
           <a:p>
             <a:fld id="{624F4001-6A8C-42DA-824F-B5CC1375B861}" type="datetime1">
               <a:rPr lang="en-US" smtClean="0"/>
-              <a:t>1/8/2022</a:t>
+              <a:t>1/10/2022</a:t>
             </a:fld>
             <a:endParaRPr lang="da-DK"/>
           </a:p>
@@ -5750,7 +5750,7 @@
           <a:p>
             <a:fld id="{2D3BE137-2C5E-4078-8BA2-7D42D7E67218}" type="datetime1">
               <a:rPr lang="en-US" smtClean="0"/>
-              <a:t>1/8/2022</a:t>
+              <a:t>1/10/2022</a:t>
             </a:fld>
             <a:endParaRPr lang="da-DK"/>
           </a:p>
@@ -6042,7 +6042,7 @@
           <a:p>
             <a:fld id="{0D1436FF-56D3-4E93-92E8-71121EAB120E}" type="datetime1">
               <a:rPr lang="en-US" smtClean="0"/>
-              <a:t>1/8/2022</a:t>
+              <a:t>1/10/2022</a:t>
             </a:fld>
             <a:endParaRPr lang="da-DK"/>
           </a:p>
@@ -6288,7 +6288,7 @@
           <a:p>
             <a:fld id="{16601EF2-4BCA-4009-ACCF-B97F259DEF6F}" type="datetime1">
               <a:rPr lang="en-US" smtClean="0"/>
-              <a:t>1/8/2022</a:t>
+              <a:t>1/10/2022</a:t>
             </a:fld>
             <a:endParaRPr lang="da-DK"/>
           </a:p>
@@ -6955,7 +6955,7 @@
           <a:p>
             <a:fld id="{019E29B9-5584-4737-9C98-1B926378C778}" type="datetime1">
               <a:rPr lang="en-US" smtClean="0"/>
-              <a:t>1/8/2022</a:t>
+              <a:t>1/10/2022</a:t>
             </a:fld>
             <a:endParaRPr lang="da-DK"/>
           </a:p>
@@ -7099,7 +7099,7 @@
           <a:p>
             <a:fld id="{019E29B9-5584-4737-9C98-1B926378C778}" type="datetime1">
               <a:rPr lang="en-US" smtClean="0"/>
-              <a:t>1/8/2022</a:t>
+              <a:t>1/10/2022</a:t>
             </a:fld>
             <a:endParaRPr lang="da-DK"/>
           </a:p>
@@ -7895,7 +7895,7 @@
           <a:p>
             <a:fld id="{019E29B9-5584-4737-9C98-1B926378C778}" type="datetime1">
               <a:rPr lang="en-US" smtClean="0"/>
-              <a:t>1/8/2022</a:t>
+              <a:t>1/10/2022</a:t>
             </a:fld>
             <a:endParaRPr lang="da-DK"/>
           </a:p>
@@ -8100,7 +8100,7 @@
           <a:p>
             <a:fld id="{019E29B9-5584-4737-9C98-1B926378C778}" type="datetime1">
               <a:rPr lang="en-US" smtClean="0"/>
-              <a:t>1/8/2022</a:t>
+              <a:t>1/10/2022</a:t>
             </a:fld>
             <a:endParaRPr lang="da-DK"/>
           </a:p>
@@ -8305,7 +8305,7 @@
           <a:p>
             <a:fld id="{019E29B9-5584-4737-9C98-1B926378C778}" type="datetime1">
               <a:rPr lang="en-US" smtClean="0"/>
-              <a:t>1/8/2022</a:t>
+              <a:t>1/10/2022</a:t>
             </a:fld>
             <a:endParaRPr lang="da-DK"/>
           </a:p>
@@ -8510,7 +8510,7 @@
           <a:p>
             <a:fld id="{019E29B9-5584-4737-9C98-1B926378C778}" type="datetime1">
               <a:rPr lang="en-US" smtClean="0"/>
-              <a:t>1/8/2022</a:t>
+              <a:t>1/10/2022</a:t>
             </a:fld>
             <a:endParaRPr lang="da-DK"/>
           </a:p>
@@ -8766,7 +8766,7 @@
           <a:p>
             <a:fld id="{019E29B9-5584-4737-9C98-1B926378C778}" type="datetime1">
               <a:rPr lang="en-US" smtClean="0"/>
-              <a:t>1/8/2022</a:t>
+              <a:t>1/10/2022</a:t>
             </a:fld>
             <a:endParaRPr lang="da-DK"/>
           </a:p>
@@ -8997,7 +8997,7 @@
           <a:p>
             <a:fld id="{019E29B9-5584-4737-9C98-1B926378C778}" type="datetime1">
               <a:rPr lang="en-US" smtClean="0"/>
-              <a:t>1/8/2022</a:t>
+              <a:t>1/10/2022</a:t>
             </a:fld>
             <a:endParaRPr lang="da-DK"/>
           </a:p>
@@ -9201,7 +9201,7 @@
           <a:p>
             <a:fld id="{019E29B9-5584-4737-9C98-1B926378C778}" type="datetime1">
               <a:rPr lang="en-US" smtClean="0"/>
-              <a:t>1/8/2022</a:t>
+              <a:t>1/10/2022</a:t>
             </a:fld>
             <a:endParaRPr lang="da-DK"/>
           </a:p>
@@ -9904,7 +9904,7 @@
           <a:p>
             <a:fld id="{019E29B9-5584-4737-9C98-1B926378C778}" type="datetime1">
               <a:rPr lang="en-US" smtClean="0"/>
-              <a:t>1/8/2022</a:t>
+              <a:t>1/10/2022</a:t>
             </a:fld>
             <a:endParaRPr lang="da-DK"/>
           </a:p>
@@ -10423,7 +10423,7 @@
           <a:p>
             <a:fld id="{019E29B9-5584-4737-9C98-1B926378C778}" type="datetime1">
               <a:rPr lang="en-US" smtClean="0"/>
-              <a:t>1/8/2022</a:t>
+              <a:t>1/10/2022</a:t>
             </a:fld>
             <a:endParaRPr lang="da-DK"/>
           </a:p>
@@ -10592,7 +10592,7 @@
           <a:p>
             <a:fld id="{019E29B9-5584-4737-9C98-1B926378C778}" type="datetime1">
               <a:rPr lang="en-US" smtClean="0"/>
-              <a:t>1/8/2022</a:t>
+              <a:t>1/10/2022</a:t>
             </a:fld>
             <a:endParaRPr lang="da-DK"/>
           </a:p>
@@ -11126,7 +11126,7 @@
           <a:p>
             <a:fld id="{019E29B9-5584-4737-9C98-1B926378C778}" type="datetime1">
               <a:rPr lang="en-US" smtClean="0"/>
-              <a:t>1/8/2022</a:t>
+              <a:t>1/10/2022</a:t>
             </a:fld>
             <a:endParaRPr lang="da-DK"/>
           </a:p>
@@ -11302,7 +11302,7 @@
               <a:rPr lang="da-DK" dirty="0">
                 <a:latin typeface="+mj-lt"/>
               </a:rPr>
-              <a:t>reguirements.txt </a:t>
+              <a:t>requirements.txt </a:t>
             </a:r>
           </a:p>
           <a:p>
@@ -11364,7 +11364,7 @@
           <a:p>
             <a:fld id="{019E29B9-5584-4737-9C98-1B926378C778}" type="datetime1">
               <a:rPr lang="en-US" smtClean="0"/>
-              <a:t>1/8/2022</a:t>
+              <a:t>1/10/2022</a:t>
             </a:fld>
             <a:endParaRPr lang="da-DK"/>
           </a:p>
@@ -11569,7 +11569,7 @@
           <a:p>
             <a:fld id="{019E29B9-5584-4737-9C98-1B926378C778}" type="datetime1">
               <a:rPr lang="en-US" smtClean="0"/>
-              <a:t>1/8/2022</a:t>
+              <a:t>1/10/2022</a:t>
             </a:fld>
             <a:endParaRPr lang="da-DK"/>
           </a:p>
@@ -12098,7 +12098,7 @@
           <a:p>
             <a:fld id="{019E29B9-5584-4737-9C98-1B926378C778}" type="datetime1">
               <a:rPr lang="en-US" smtClean="0"/>
-              <a:t>1/8/2022</a:t>
+              <a:t>1/10/2022</a:t>
             </a:fld>
             <a:endParaRPr lang="da-DK"/>
           </a:p>
@@ -12326,7 +12326,7 @@
           <a:p>
             <a:fld id="{019E29B9-5584-4737-9C98-1B926378C778}" type="datetime1">
               <a:rPr lang="en-US" smtClean="0"/>
-              <a:t>1/8/2022</a:t>
+              <a:t>1/10/2022</a:t>
             </a:fld>
             <a:endParaRPr lang="da-DK"/>
           </a:p>
@@ -12563,14 +12563,12 @@
             </a:r>
           </a:p>
           <a:p>
-            <a:pPr lvl="1"/>
             <a:endParaRPr lang="en-US" dirty="0"/>
           </a:p>
           <a:p>
-            <a:pPr lvl="1"/>
             <a:r>
               <a:rPr lang="en-US" dirty="0"/>
-              <a:t>3 phases: Testing, staging and deploying</a:t>
+              <a:t>Covered in later lecture</a:t>
             </a:r>
           </a:p>
           <a:p>
@@ -12607,7 +12605,7 @@
           <a:p>
             <a:fld id="{019E29B9-5584-4737-9C98-1B926378C778}" type="datetime1">
               <a:rPr lang="en-US" smtClean="0"/>
-              <a:t>1/8/2022</a:t>
+              <a:t>1/10/2022</a:t>
             </a:fld>
             <a:endParaRPr lang="da-DK"/>
           </a:p>
@@ -12894,7 +12892,7 @@
           <a:p>
             <a:fld id="{019E29B9-5584-4737-9C98-1B926378C778}" type="datetime1">
               <a:rPr lang="en-US" smtClean="0"/>
-              <a:t>1/8/2022</a:t>
+              <a:t>1/10/2022</a:t>
             </a:fld>
             <a:endParaRPr lang="da-DK"/>
           </a:p>
@@ -13069,7 +13067,7 @@
           <a:p>
             <a:fld id="{019E29B9-5584-4737-9C98-1B926378C778}" type="datetime1">
               <a:rPr lang="en-US" smtClean="0"/>
-              <a:t>1/8/2022</a:t>
+              <a:t>1/10/2022</a:t>
             </a:fld>
             <a:endParaRPr lang="da-DK"/>
           </a:p>
@@ -13383,7 +13381,7 @@
           <a:p>
             <a:fld id="{019E29B9-5584-4737-9C98-1B926378C778}" type="datetime1">
               <a:rPr lang="en-US" smtClean="0"/>
-              <a:t>1/8/2022</a:t>
+              <a:t>1/10/2022</a:t>
             </a:fld>
             <a:endParaRPr lang="da-DK"/>
           </a:p>
@@ -13696,7 +13694,7 @@
           <a:p>
             <a:fld id="{019E29B9-5584-4737-9C98-1B926378C778}" type="datetime1">
               <a:rPr lang="en-US" smtClean="0"/>
-              <a:t>1/8/2022</a:t>
+              <a:t>1/10/2022</a:t>
             </a:fld>
             <a:endParaRPr lang="da-DK"/>
           </a:p>
@@ -13911,7 +13909,7 @@
           <a:p>
             <a:fld id="{019E29B9-5584-4737-9C98-1B926378C778}" type="datetime1">
               <a:rPr lang="en-US" smtClean="0"/>
-              <a:t>1/8/2022</a:t>
+              <a:t>1/10/2022</a:t>
             </a:fld>
             <a:endParaRPr lang="da-DK"/>
           </a:p>
